--- a/presentation.pptx
+++ b/presentation.pptx
@@ -10,6 +10,7 @@
     <p:sldId id="258" r:id="rId4"/>
     <p:sldId id="259" r:id="rId5"/>
     <p:sldId id="260" r:id="rId6"/>
+    <p:sldId id="261" r:id="rId7"/>
   </p:sldIdLst>
   <p:sldSz cx="12192000" cy="6858000"/>
   <p:notesSz cx="6858000" cy="9144000"/>
@@ -119,7 +120,7 @@
 <file path=ppt/revisionInfo.xml><?xml version="1.0" encoding="utf-8"?>
 <p1510:revInfo xmlns:a="http://schemas.openxmlformats.org/drawingml/2006/main" xmlns:r="http://schemas.openxmlformats.org/officeDocument/2006/relationships" xmlns:p1510="http://schemas.microsoft.com/office/powerpoint/2015/10/main">
   <p1510:revLst>
-    <p1510:client id="{E0893E1A-1991-4987-87EF-8C1FDA74589D}" v="430" dt="2024-03-01T09:56:50.076"/>
+    <p1510:client id="{E0893E1A-1991-4987-87EF-8C1FDA74589D}" v="479" dt="2024-03-01T10:08:45.968"/>
   </p1510:revLst>
 </p1510:revInfo>
 </file>
@@ -5183,6 +5184,426 @@
 </p:sld>
 </file>
 
+<file path=ppt/slides/slide6.xml><?xml version="1.0" encoding="utf-8"?>
+<p:sld xmlns:a="http://schemas.openxmlformats.org/drawingml/2006/main" xmlns:r="http://schemas.openxmlformats.org/officeDocument/2006/relationships" xmlns:p="http://schemas.openxmlformats.org/presentationml/2006/main">
+  <p:cSld>
+    <p:bg>
+      <p:bgPr>
+        <a:solidFill>
+          <a:schemeClr val="bg1"/>
+        </a:solidFill>
+        <a:effectLst/>
+      </p:bgPr>
+    </p:bg>
+    <p:spTree>
+      <p:nvGrpSpPr>
+        <p:cNvPr id="1" name=""/>
+        <p:cNvGrpSpPr/>
+        <p:nvPr/>
+      </p:nvGrpSpPr>
+      <p:grpSpPr>
+        <a:xfrm>
+          <a:off x="0" y="0"/>
+          <a:ext cx="0" cy="0"/>
+          <a:chOff x="0" y="0"/>
+          <a:chExt cx="0" cy="0"/>
+        </a:xfrm>
+      </p:grpSpPr>
+      <p:grpSp>
+        <p:nvGrpSpPr>
+          <p:cNvPr id="15" name="Group 14">
+            <a:extLst>
+              <a:ext uri="{FF2B5EF4-FFF2-40B4-BE49-F238E27FC236}">
+                <a16:creationId xmlns:a16="http://schemas.microsoft.com/office/drawing/2014/main" id="{7D65C7AE-43E6-DEEF-21C6-94F69770B311}"/>
+              </a:ext>
+              <a:ext uri="{C183D7F6-B498-43B3-948B-1728B52AA6E4}">
+                <adec:decorative xmlns:adec="http://schemas.microsoft.com/office/drawing/2017/decorative" val="1"/>
+              </a:ext>
+            </a:extLst>
+          </p:cNvPr>
+          <p:cNvGrpSpPr>
+            <a:grpSpLocks noGrp="1" noUngrp="1" noRot="1" noChangeAspect="1" noMove="1" noResize="1"/>
+          </p:cNvGrpSpPr>
+          <p:nvPr>
+            <p:extLst>
+              <p:ext uri="{386F3935-93C4-4BCD-93E2-E3B085C9AB24}">
+                <p16:designElem xmlns:p16="http://schemas.microsoft.com/office/powerpoint/2015/main" val="1"/>
+              </p:ext>
+            </p:extLst>
+          </p:nvPr>
+        </p:nvGrpSpPr>
+        <p:grpSpPr>
+          <a:xfrm>
+            <a:off x="-10176" y="5344620"/>
+            <a:ext cx="12202176" cy="1519355"/>
+            <a:chOff x="-10176" y="5338644"/>
+            <a:chExt cx="12202176" cy="1519355"/>
+          </a:xfrm>
+        </p:grpSpPr>
+        <p:sp>
+          <p:nvSpPr>
+            <p:cNvPr id="16" name="Rectangle 15">
+              <a:extLst>
+                <a:ext uri="{FF2B5EF4-FFF2-40B4-BE49-F238E27FC236}">
+                  <a16:creationId xmlns:a16="http://schemas.microsoft.com/office/drawing/2014/main" id="{D3E591D3-C82D-EFF2-C1B9-715BFB67EDF1}"/>
+                </a:ext>
+                <a:ext uri="{C183D7F6-B498-43B3-948B-1728B52AA6E4}">
+                  <adec:decorative xmlns:adec="http://schemas.microsoft.com/office/drawing/2017/decorative" val="1"/>
+                </a:ext>
+              </a:extLst>
+            </p:cNvPr>
+            <p:cNvSpPr/>
+            <p:nvPr>
+              <p:extLst>
+                <p:ext uri="{386F3935-93C4-4BCD-93E2-E3B085C9AB24}">
+                  <p16:designElem xmlns:p16="http://schemas.microsoft.com/office/powerpoint/2015/main" val="1"/>
+                </p:ext>
+              </p:extLst>
+            </p:nvPr>
+          </p:nvSpPr>
+          <p:spPr>
+            <a:xfrm rot="5400000" flipV="1">
+              <a:off x="5331238" y="-2767"/>
+              <a:ext cx="1519350" cy="12202174"/>
+            </a:xfrm>
+            <a:prstGeom prst="rect">
+              <a:avLst/>
+            </a:prstGeom>
+            <a:gradFill>
+              <a:gsLst>
+                <a:gs pos="0">
+                  <a:schemeClr val="accent5"/>
+                </a:gs>
+                <a:gs pos="100000">
+                  <a:schemeClr val="accent2"/>
+                </a:gs>
+              </a:gsLst>
+              <a:lin ang="10200000" scaled="0"/>
+            </a:gradFill>
+            <a:ln>
+              <a:noFill/>
+            </a:ln>
+          </p:spPr>
+          <p:style>
+            <a:lnRef idx="2">
+              <a:schemeClr val="accent1">
+                <a:shade val="50000"/>
+              </a:schemeClr>
+            </a:lnRef>
+            <a:fillRef idx="1">
+              <a:schemeClr val="accent1"/>
+            </a:fillRef>
+            <a:effectRef idx="0">
+              <a:schemeClr val="accent1"/>
+            </a:effectRef>
+            <a:fontRef idx="minor">
+              <a:schemeClr val="lt1"/>
+            </a:fontRef>
+          </p:style>
+          <p:txBody>
+            <a:bodyPr rtlCol="0" anchor="ctr"/>
+            <a:lstStyle/>
+            <a:p>
+              <a:pPr algn="ctr"/>
+              <a:endParaRPr lang="en-US"/>
+            </a:p>
+          </p:txBody>
+        </p:sp>
+        <p:sp>
+          <p:nvSpPr>
+            <p:cNvPr id="17" name="Rectangle 16">
+              <a:extLst>
+                <a:ext uri="{FF2B5EF4-FFF2-40B4-BE49-F238E27FC236}">
+                  <a16:creationId xmlns:a16="http://schemas.microsoft.com/office/drawing/2014/main" id="{33B61A17-DD52-DE54-2FDF-45CAF92D028A}"/>
+                </a:ext>
+                <a:ext uri="{C183D7F6-B498-43B3-948B-1728B52AA6E4}">
+                  <adec:decorative xmlns:adec="http://schemas.microsoft.com/office/drawing/2017/decorative" val="1"/>
+                </a:ext>
+              </a:extLst>
+            </p:cNvPr>
+            <p:cNvSpPr/>
+            <p:nvPr>
+              <p:extLst>
+                <p:ext uri="{386F3935-93C4-4BCD-93E2-E3B085C9AB24}">
+                  <p16:designElem xmlns:p16="http://schemas.microsoft.com/office/powerpoint/2015/main" val="1"/>
+                </p:ext>
+              </p:extLst>
+            </p:nvPr>
+          </p:nvSpPr>
+          <p:spPr>
+            <a:xfrm rot="5400000" flipV="1">
+              <a:off x="8226086" y="2885969"/>
+              <a:ext cx="1507122" cy="6424706"/>
+            </a:xfrm>
+            <a:prstGeom prst="rect">
+              <a:avLst/>
+            </a:prstGeom>
+            <a:gradFill>
+              <a:gsLst>
+                <a:gs pos="98739">
+                  <a:schemeClr val="accent5">
+                    <a:alpha val="70000"/>
+                  </a:schemeClr>
+                </a:gs>
+                <a:gs pos="45000">
+                  <a:schemeClr val="accent5">
+                    <a:lumMod val="60000"/>
+                    <a:lumOff val="40000"/>
+                    <a:alpha val="0"/>
+                  </a:schemeClr>
+                </a:gs>
+              </a:gsLst>
+              <a:lin ang="1200000" scaled="0"/>
+            </a:gradFill>
+            <a:ln>
+              <a:noFill/>
+            </a:ln>
+          </p:spPr>
+          <p:style>
+            <a:lnRef idx="2">
+              <a:schemeClr val="accent1">
+                <a:shade val="50000"/>
+              </a:schemeClr>
+            </a:lnRef>
+            <a:fillRef idx="1">
+              <a:schemeClr val="accent1"/>
+            </a:fillRef>
+            <a:effectRef idx="0">
+              <a:schemeClr val="accent1"/>
+            </a:effectRef>
+            <a:fontRef idx="minor">
+              <a:schemeClr val="lt1"/>
+            </a:fontRef>
+          </p:style>
+          <p:txBody>
+            <a:bodyPr rtlCol="0" anchor="ctr"/>
+            <a:lstStyle/>
+            <a:p>
+              <a:pPr algn="ctr"/>
+              <a:endParaRPr lang="en-US"/>
+            </a:p>
+          </p:txBody>
+        </p:sp>
+        <p:sp>
+          <p:nvSpPr>
+            <p:cNvPr id="18" name="Rectangle 17">
+              <a:extLst>
+                <a:ext uri="{FF2B5EF4-FFF2-40B4-BE49-F238E27FC236}">
+                  <a16:creationId xmlns:a16="http://schemas.microsoft.com/office/drawing/2014/main" id="{99DC8DB2-298F-EDD7-9BCE-78101BCDC64C}"/>
+                </a:ext>
+                <a:ext uri="{C183D7F6-B498-43B3-948B-1728B52AA6E4}">
+                  <adec:decorative xmlns:adec="http://schemas.microsoft.com/office/drawing/2017/decorative" val="1"/>
+                </a:ext>
+              </a:extLst>
+            </p:cNvPr>
+            <p:cNvSpPr/>
+            <p:nvPr>
+              <p:extLst>
+                <p:ext uri="{386F3935-93C4-4BCD-93E2-E3B085C9AB24}">
+                  <p16:designElem xmlns:p16="http://schemas.microsoft.com/office/powerpoint/2015/main" val="1"/>
+                </p:ext>
+              </p:extLst>
+            </p:nvPr>
+          </p:nvSpPr>
+          <p:spPr>
+            <a:xfrm rot="16200000" flipV="1">
+              <a:off x="3921534" y="1406934"/>
+              <a:ext cx="1519355" cy="9382775"/>
+            </a:xfrm>
+            <a:prstGeom prst="rect">
+              <a:avLst/>
+            </a:prstGeom>
+            <a:gradFill>
+              <a:gsLst>
+                <a:gs pos="29000">
+                  <a:schemeClr val="accent5">
+                    <a:lumMod val="60000"/>
+                    <a:lumOff val="40000"/>
+                    <a:alpha val="0"/>
+                  </a:schemeClr>
+                </a:gs>
+                <a:gs pos="100000">
+                  <a:schemeClr val="accent5">
+                    <a:lumMod val="75000"/>
+                  </a:schemeClr>
+                </a:gs>
+              </a:gsLst>
+              <a:lin ang="9000000" scaled="0"/>
+            </a:gradFill>
+            <a:ln>
+              <a:noFill/>
+            </a:ln>
+          </p:spPr>
+          <p:style>
+            <a:lnRef idx="2">
+              <a:schemeClr val="accent1">
+                <a:shade val="50000"/>
+              </a:schemeClr>
+            </a:lnRef>
+            <a:fillRef idx="1">
+              <a:schemeClr val="accent1"/>
+            </a:fillRef>
+            <a:effectRef idx="0">
+              <a:schemeClr val="accent1"/>
+            </a:effectRef>
+            <a:fontRef idx="minor">
+              <a:schemeClr val="lt1"/>
+            </a:fontRef>
+          </p:style>
+          <p:txBody>
+            <a:bodyPr rtlCol="0" anchor="ctr"/>
+            <a:lstStyle/>
+            <a:p>
+              <a:pPr algn="ctr"/>
+              <a:endParaRPr lang="en-US"/>
+            </a:p>
+          </p:txBody>
+        </p:sp>
+      </p:grpSp>
+      <p:sp>
+        <p:nvSpPr>
+          <p:cNvPr id="2" name="Заголовок 1">
+            <a:extLst>
+              <a:ext uri="{FF2B5EF4-FFF2-40B4-BE49-F238E27FC236}">
+                <a16:creationId xmlns:a16="http://schemas.microsoft.com/office/drawing/2014/main" id="{A694168E-EFA7-2F90-1B1D-574BBFA97D8E}"/>
+              </a:ext>
+            </a:extLst>
+          </p:cNvPr>
+          <p:cNvSpPr>
+            <a:spLocks noGrp="1"/>
+          </p:cNvSpPr>
+          <p:nvPr>
+            <p:ph type="title"/>
+          </p:nvPr>
+        </p:nvSpPr>
+        <p:spPr>
+          <a:xfrm>
+            <a:off x="838200" y="5595614"/>
+            <a:ext cx="6784181" cy="913975"/>
+          </a:xfrm>
+        </p:spPr>
+        <p:txBody>
+          <a:bodyPr vert="horz" lIns="91440" tIns="45720" rIns="91440" bIns="45720" rtlCol="0" anchor="ctr">
+            <a:normAutofit/>
+          </a:bodyPr>
+          <a:lstStyle/>
+          <a:p>
+            <a:r>
+              <a:rPr lang="en-US" sz="3200" kern="1200">
+                <a:solidFill>
+                  <a:srgbClr val="FFFFFF"/>
+                </a:solidFill>
+                <a:latin typeface="+mj-lt"/>
+                <a:ea typeface="+mj-ea"/>
+                <a:cs typeface="+mj-cs"/>
+              </a:rPr>
+              <a:t>Изображение редактора</a:t>
+            </a:r>
+          </a:p>
+        </p:txBody>
+      </p:sp>
+      <p:pic>
+        <p:nvPicPr>
+          <p:cNvPr id="5" name="Рисунок 4" descr="Изображение выглядит как снимок экрана, Графическое программное обеспечение, пиксель&#10;&#10;Автоматически созданное описание">
+            <a:extLst>
+              <a:ext uri="{FF2B5EF4-FFF2-40B4-BE49-F238E27FC236}">
+                <a16:creationId xmlns:a16="http://schemas.microsoft.com/office/drawing/2014/main" id="{8947ACDE-CD05-F8DD-ABB8-95FAA62A77D0}"/>
+              </a:ext>
+            </a:extLst>
+          </p:cNvPr>
+          <p:cNvPicPr>
+            <a:picLocks noChangeAspect="1"/>
+          </p:cNvPicPr>
+          <p:nvPr/>
+        </p:nvPicPr>
+        <p:blipFill rotWithShape="1">
+          <a:blip r:embed="rId2"/>
+          <a:srcRect r="2" b="8256"/>
+          <a:stretch/>
+        </p:blipFill>
+        <p:spPr>
+          <a:xfrm>
+            <a:off x="-7940" y="-1"/>
+            <a:ext cx="8328605" cy="5348828"/>
+          </a:xfrm>
+          <a:prstGeom prst="rect">
+            <a:avLst/>
+          </a:prstGeom>
+        </p:spPr>
+      </p:pic>
+      <p:pic>
+        <p:nvPicPr>
+          <p:cNvPr id="6" name="Рисунок 5" descr="Изображение выглядит как снимок экрана, текст, пиксель&#10;&#10;Автоматически созданное описание">
+            <a:extLst>
+              <a:ext uri="{FF2B5EF4-FFF2-40B4-BE49-F238E27FC236}">
+                <a16:creationId xmlns:a16="http://schemas.microsoft.com/office/drawing/2014/main" id="{7882D1B2-9FE2-3B72-E88C-8FCAE4830899}"/>
+              </a:ext>
+            </a:extLst>
+          </p:cNvPr>
+          <p:cNvPicPr>
+            <a:picLocks noChangeAspect="1"/>
+          </p:cNvPicPr>
+          <p:nvPr/>
+        </p:nvPicPr>
+        <p:blipFill rotWithShape="1">
+          <a:blip r:embed="rId3"/>
+          <a:srcRect r="-2" b="1448"/>
+          <a:stretch/>
+        </p:blipFill>
+        <p:spPr>
+          <a:xfrm>
+            <a:off x="8312724" y="10"/>
+            <a:ext cx="3879276" cy="2676121"/>
+          </a:xfrm>
+          <a:prstGeom prst="rect">
+            <a:avLst/>
+          </a:prstGeom>
+        </p:spPr>
+      </p:pic>
+      <p:pic>
+        <p:nvPicPr>
+          <p:cNvPr id="4" name="Объект 3" descr="Изображение выглядит как снимок экрана&#10;&#10;Автоматически созданное описание">
+            <a:extLst>
+              <a:ext uri="{FF2B5EF4-FFF2-40B4-BE49-F238E27FC236}">
+                <a16:creationId xmlns:a16="http://schemas.microsoft.com/office/drawing/2014/main" id="{7D810C13-DF71-ED28-85F0-59810BB68E5E}"/>
+              </a:ext>
+            </a:extLst>
+          </p:cNvPr>
+          <p:cNvPicPr>
+            <a:picLocks noGrp="1" noChangeAspect="1"/>
+          </p:cNvPicPr>
+          <p:nvPr>
+            <p:ph idx="1"/>
+          </p:nvPr>
+        </p:nvPicPr>
+        <p:blipFill rotWithShape="1">
+          <a:blip r:embed="rId4"/>
+          <a:srcRect r="3" b="1437"/>
+          <a:stretch/>
+        </p:blipFill>
+        <p:spPr>
+          <a:xfrm>
+            <a:off x="8312724" y="2672698"/>
+            <a:ext cx="3878695" cy="2676131"/>
+          </a:xfrm>
+          <a:prstGeom prst="rect">
+            <a:avLst/>
+          </a:prstGeom>
+        </p:spPr>
+      </p:pic>
+    </p:spTree>
+    <p:extLst>
+      <p:ext uri="{BB962C8B-B14F-4D97-AF65-F5344CB8AC3E}">
+        <p14:creationId xmlns:p14="http://schemas.microsoft.com/office/powerpoint/2010/main" val="3056470075"/>
+      </p:ext>
+    </p:extLst>
+  </p:cSld>
+  <p:clrMapOvr>
+    <a:masterClrMapping/>
+  </p:clrMapOvr>
+</p:sld>
+</file>
+
 <file path=ppt/theme/theme1.xml><?xml version="1.0" encoding="utf-8"?>
 <a:theme xmlns:a="http://schemas.openxmlformats.org/drawingml/2006/main" name="Тема Office">
   <a:themeElements>
